--- a/notes/csc493-ln014.pptx
+++ b/notes/csc493-ln014.pptx
@@ -5681,7 +5681,7 @@
         </p:blipFill>
         <p:spPr>
           <a:xfrm>
-            <a:off x="2311400" y="2806700"/>
+            <a:off x="2311400" y="2743200"/>
             <a:ext cx="4521200" cy="3517900"/>
           </a:xfrm>
           <a:prstGeom prst="rect">
@@ -5694,6 +5694,46 @@
           </a:ln>
         </p:spPr>
       </p:pic>
+      <p:sp>
+        <p:nvSpPr>
+          <p:cNvPr id="14" name="TextBox 13">
+            <a:extLst>
+              <a:ext uri="{FF2B5EF4-FFF2-40B4-BE49-F238E27FC236}">
+                <a16:creationId xmlns:a16="http://schemas.microsoft.com/office/drawing/2014/main" id="{506D1559-D0BA-A94B-84D4-894F7933E399}"/>
+              </a:ext>
+            </a:extLst>
+          </p:cNvPr>
+          <p:cNvSpPr txBox="1"/>
+          <p:nvPr/>
+        </p:nvSpPr>
+        <p:spPr>
+          <a:xfrm>
+            <a:off x="2708031" y="6245423"/>
+            <a:ext cx="1426994" cy="307777"/>
+          </a:xfrm>
+          <a:prstGeom prst="rect">
+            <a:avLst/>
+          </a:prstGeom>
+          <a:noFill/>
+        </p:spPr>
+        <p:txBody>
+          <a:bodyPr wrap="none" rtlCol="0">
+            <a:spAutoFit/>
+          </a:bodyPr>
+          <a:lstStyle/>
+          <a:p>
+            <a:r>
+              <a:rPr lang="en-US" sz="1400" dirty="0"/>
+              <a:t>ln014/</a:t>
+            </a:r>
+            <a:r>
+              <a:rPr lang="en-US" sz="1400" dirty="0" err="1"/>
+              <a:t>return.ast</a:t>
+            </a:r>
+            <a:endParaRPr lang="en-US" sz="1400" dirty="0"/>
+          </a:p>
+        </p:txBody>
+      </p:sp>
     </p:spTree>
     <p:extLst>
       <p:ext uri="{BB962C8B-B14F-4D97-AF65-F5344CB8AC3E}">
@@ -7631,7 +7671,12 @@
             <p:ph idx="1"/>
           </p:nvPr>
         </p:nvSpPr>
-        <p:spPr/>
+        <p:spPr>
+          <a:xfrm>
+            <a:off x="1524000" y="1905000"/>
+            <a:ext cx="7010400" cy="1219200"/>
+          </a:xfrm>
+        </p:spPr>
         <p:txBody>
           <a:bodyPr/>
           <a:lstStyle/>
@@ -7691,6 +7736,46 @@
           </a:ln>
         </p:spPr>
       </p:pic>
+      <p:sp>
+        <p:nvSpPr>
+          <p:cNvPr id="15" name="TextBox 14">
+            <a:extLst>
+              <a:ext uri="{FF2B5EF4-FFF2-40B4-BE49-F238E27FC236}">
+                <a16:creationId xmlns:a16="http://schemas.microsoft.com/office/drawing/2014/main" id="{433234EC-DCAE-5241-B095-7D6CD52A0E58}"/>
+              </a:ext>
+            </a:extLst>
+          </p:cNvPr>
+          <p:cNvSpPr txBox="1"/>
+          <p:nvPr/>
+        </p:nvSpPr>
+        <p:spPr>
+          <a:xfrm>
+            <a:off x="2708031" y="6084277"/>
+            <a:ext cx="1646605" cy="307777"/>
+          </a:xfrm>
+          <a:prstGeom prst="rect">
+            <a:avLst/>
+          </a:prstGeom>
+          <a:noFill/>
+        </p:spPr>
+        <p:txBody>
+          <a:bodyPr wrap="none" rtlCol="0">
+            <a:spAutoFit/>
+          </a:bodyPr>
+          <a:lstStyle/>
+          <a:p>
+            <a:r>
+              <a:rPr lang="en-US" sz="1400" dirty="0"/>
+              <a:t>ln014/</a:t>
+            </a:r>
+            <a:r>
+              <a:rPr lang="en-US" sz="1400" dirty="0" err="1"/>
+              <a:t>matchhp.ast</a:t>
+            </a:r>
+            <a:endParaRPr lang="en-US" sz="1400" dirty="0"/>
+          </a:p>
+        </p:txBody>
+      </p:sp>
     </p:spTree>
     <p:extLst>
       <p:ext uri="{BB962C8B-B14F-4D97-AF65-F5344CB8AC3E}">
@@ -7815,6 +7900,46 @@
           </a:ln>
         </p:spPr>
       </p:pic>
+      <p:sp>
+        <p:nvSpPr>
+          <p:cNvPr id="14" name="TextBox 13">
+            <a:extLst>
+              <a:ext uri="{FF2B5EF4-FFF2-40B4-BE49-F238E27FC236}">
+                <a16:creationId xmlns:a16="http://schemas.microsoft.com/office/drawing/2014/main" id="{A6307BE1-53F4-7548-89CE-9E223A52DFB3}"/>
+              </a:ext>
+            </a:extLst>
+          </p:cNvPr>
+          <p:cNvSpPr txBox="1"/>
+          <p:nvPr/>
+        </p:nvSpPr>
+        <p:spPr>
+          <a:xfrm>
+            <a:off x="2913672" y="5559425"/>
+            <a:ext cx="1686680" cy="307777"/>
+          </a:xfrm>
+          <a:prstGeom prst="rect">
+            <a:avLst/>
+          </a:prstGeom>
+          <a:noFill/>
+        </p:spPr>
+        <p:txBody>
+          <a:bodyPr wrap="none" rtlCol="0">
+            <a:spAutoFit/>
+          </a:bodyPr>
+          <a:lstStyle/>
+          <a:p>
+            <a:r>
+              <a:rPr lang="en-US" sz="1400" dirty="0"/>
+              <a:t>ln014/</a:t>
+            </a:r>
+            <a:r>
+              <a:rPr lang="en-US" sz="1400" dirty="0" err="1"/>
+              <a:t>mymatch.ast</a:t>
+            </a:r>
+            <a:endParaRPr lang="en-US" sz="1400" dirty="0"/>
+          </a:p>
+        </p:txBody>
+      </p:sp>
     </p:spTree>
     <p:extLst>
       <p:ext uri="{BB962C8B-B14F-4D97-AF65-F5344CB8AC3E}">

--- a/notes/csc493-ln014.pptx
+++ b/notes/csc493-ln014.pptx
@@ -6868,13 +6868,13 @@
         </p:nvSpPr>
         <p:spPr>
           <a:xfrm>
-            <a:off x="1524000" y="1905000"/>
-            <a:ext cx="7010400" cy="2286000"/>
+            <a:off x="1524000" y="1600200"/>
+            <a:ext cx="7010400" cy="2590800"/>
           </a:xfrm>
         </p:spPr>
         <p:txBody>
           <a:bodyPr>
-            <a:normAutofit fontScale="92500"/>
+            <a:normAutofit fontScale="77500" lnSpcReduction="20000"/>
           </a:bodyPr>
           <a:lstStyle/>
           <a:p>
@@ -6895,6 +6895,13 @@
             <a:r>
               <a:rPr lang="en-US" dirty="0"/>
               <a:t>Higher-order programming enables features such as the ‘map’ function</a:t>
+            </a:r>
+          </a:p>
+          <a:p>
+            <a:pPr lvl="1"/>
+            <a:r>
+              <a:rPr lang="en-US" dirty="0"/>
+              <a:t>Programs taking advantage of higher-order programming tend to be easier to read and understand.</a:t>
             </a:r>
           </a:p>
         </p:txBody>

--- a/notes/csc493-ln014.pptx
+++ b/notes/csc493-ln014.pptx
@@ -6869,12 +6869,12 @@
         <p:spPr>
           <a:xfrm>
             <a:off x="1524000" y="1600200"/>
-            <a:ext cx="7010400" cy="2590800"/>
+            <a:ext cx="7010400" cy="2921000"/>
           </a:xfrm>
         </p:spPr>
         <p:txBody>
           <a:bodyPr>
-            <a:normAutofit fontScale="77500" lnSpcReduction="20000"/>
+            <a:normAutofit fontScale="62500" lnSpcReduction="20000"/>
           </a:bodyPr>
           <a:lstStyle/>
           <a:p>
@@ -6902,6 +6902,20 @@
             <a:r>
               <a:rPr lang="en-US" dirty="0"/>
               <a:t>Programs taking advantage of higher-order programming tend to be easier to read and understand.</a:t>
+            </a:r>
+          </a:p>
+          <a:p>
+            <a:pPr lvl="1"/>
+            <a:r>
+              <a:rPr lang="en-US" dirty="0"/>
+              <a:t>Higher-order programming does not change the computational power of the language,</a:t>
+            </a:r>
+          </a:p>
+          <a:p>
+            <a:pPr lvl="2"/>
+            <a:r>
+              <a:rPr lang="en-US" i="1" dirty="0"/>
+              <a:t>anything one can do with higher order programming one can do without it</a:t>
             </a:r>
           </a:p>
         </p:txBody>
